--- a/assets.pptx
+++ b/assets.pptx
@@ -248,7 +248,7 @@
           <a:p>
             <a:fld id="{6920EDCD-D5BC-47CD-88E5-C76DA0C65E84}" type="datetimeFigureOut">
               <a:rPr lang="en-GB" smtClean="0"/>
-              <a:t>28/12/2025</a:t>
+              <a:t>30/12/2025</a:t>
             </a:fld>
             <a:endParaRPr lang="en-GB"/>
           </a:p>
@@ -418,7 +418,7 @@
           <a:p>
             <a:fld id="{6920EDCD-D5BC-47CD-88E5-C76DA0C65E84}" type="datetimeFigureOut">
               <a:rPr lang="en-GB" smtClean="0"/>
-              <a:t>28/12/2025</a:t>
+              <a:t>30/12/2025</a:t>
             </a:fld>
             <a:endParaRPr lang="en-GB"/>
           </a:p>
@@ -598,7 +598,7 @@
           <a:p>
             <a:fld id="{6920EDCD-D5BC-47CD-88E5-C76DA0C65E84}" type="datetimeFigureOut">
               <a:rPr lang="en-GB" smtClean="0"/>
-              <a:t>28/12/2025</a:t>
+              <a:t>30/12/2025</a:t>
             </a:fld>
             <a:endParaRPr lang="en-GB"/>
           </a:p>
@@ -768,7 +768,7 @@
           <a:p>
             <a:fld id="{6920EDCD-D5BC-47CD-88E5-C76DA0C65E84}" type="datetimeFigureOut">
               <a:rPr lang="en-GB" smtClean="0"/>
-              <a:t>28/12/2025</a:t>
+              <a:t>30/12/2025</a:t>
             </a:fld>
             <a:endParaRPr lang="en-GB"/>
           </a:p>
@@ -1014,7 +1014,7 @@
           <a:p>
             <a:fld id="{6920EDCD-D5BC-47CD-88E5-C76DA0C65E84}" type="datetimeFigureOut">
               <a:rPr lang="en-GB" smtClean="0"/>
-              <a:t>28/12/2025</a:t>
+              <a:t>30/12/2025</a:t>
             </a:fld>
             <a:endParaRPr lang="en-GB"/>
           </a:p>
@@ -1246,7 +1246,7 @@
           <a:p>
             <a:fld id="{6920EDCD-D5BC-47CD-88E5-C76DA0C65E84}" type="datetimeFigureOut">
               <a:rPr lang="en-GB" smtClean="0"/>
-              <a:t>28/12/2025</a:t>
+              <a:t>30/12/2025</a:t>
             </a:fld>
             <a:endParaRPr lang="en-GB"/>
           </a:p>
@@ -1613,7 +1613,7 @@
           <a:p>
             <a:fld id="{6920EDCD-D5BC-47CD-88E5-C76DA0C65E84}" type="datetimeFigureOut">
               <a:rPr lang="en-GB" smtClean="0"/>
-              <a:t>28/12/2025</a:t>
+              <a:t>30/12/2025</a:t>
             </a:fld>
             <a:endParaRPr lang="en-GB"/>
           </a:p>
@@ -1731,7 +1731,7 @@
           <a:p>
             <a:fld id="{6920EDCD-D5BC-47CD-88E5-C76DA0C65E84}" type="datetimeFigureOut">
               <a:rPr lang="en-GB" smtClean="0"/>
-              <a:t>28/12/2025</a:t>
+              <a:t>30/12/2025</a:t>
             </a:fld>
             <a:endParaRPr lang="en-GB"/>
           </a:p>
@@ -1826,7 +1826,7 @@
           <a:p>
             <a:fld id="{6920EDCD-D5BC-47CD-88E5-C76DA0C65E84}" type="datetimeFigureOut">
               <a:rPr lang="en-GB" smtClean="0"/>
-              <a:t>28/12/2025</a:t>
+              <a:t>30/12/2025</a:t>
             </a:fld>
             <a:endParaRPr lang="en-GB"/>
           </a:p>
@@ -2103,7 +2103,7 @@
           <a:p>
             <a:fld id="{6920EDCD-D5BC-47CD-88E5-C76DA0C65E84}" type="datetimeFigureOut">
               <a:rPr lang="en-GB" smtClean="0"/>
-              <a:t>28/12/2025</a:t>
+              <a:t>30/12/2025</a:t>
             </a:fld>
             <a:endParaRPr lang="en-GB"/>
           </a:p>
@@ -2360,7 +2360,7 @@
           <a:p>
             <a:fld id="{6920EDCD-D5BC-47CD-88E5-C76DA0C65E84}" type="datetimeFigureOut">
               <a:rPr lang="en-GB" smtClean="0"/>
-              <a:t>28/12/2025</a:t>
+              <a:t>30/12/2025</a:t>
             </a:fld>
             <a:endParaRPr lang="en-GB"/>
           </a:p>
@@ -2573,7 +2573,7 @@
           <a:p>
             <a:fld id="{6920EDCD-D5BC-47CD-88E5-C76DA0C65E84}" type="datetimeFigureOut">
               <a:rPr lang="en-GB" smtClean="0"/>
-              <a:t>28/12/2025</a:t>
+              <a:t>30/12/2025</a:t>
             </a:fld>
             <a:endParaRPr lang="en-GB"/>
           </a:p>
